--- a/src/org/ramadda/plugins/userguide/userguide.pptx
+++ b/src/org/ramadda/plugins/userguide/userguide.pptx
@@ -5,13 +5,14 @@
     <p:sldMasterId id="2147483648" r:id="rId1"/>
   </p:sldMasterIdLst>
   <p:sldIdLst>
-    <p:sldId id="257" r:id="rId2"/>
-    <p:sldId id="258" r:id="rId3"/>
-    <p:sldId id="256" r:id="rId4"/>
-    <p:sldId id="259" r:id="rId5"/>
-    <p:sldId id="260" r:id="rId6"/>
-    <p:sldId id="261" r:id="rId7"/>
-    <p:sldId id="262" r:id="rId8"/>
+    <p:sldId id="263" r:id="rId2"/>
+    <p:sldId id="257" r:id="rId3"/>
+    <p:sldId id="258" r:id="rId4"/>
+    <p:sldId id="256" r:id="rId5"/>
+    <p:sldId id="259" r:id="rId6"/>
+    <p:sldId id="260" r:id="rId7"/>
+    <p:sldId id="261" r:id="rId8"/>
+    <p:sldId id="262" r:id="rId9"/>
   </p:sldIdLst>
   <p:sldSz cx="9144000" cy="6858000" type="screen4x3"/>
   <p:notesSz cx="6858000" cy="9144000"/>
@@ -110,6 +111,22 @@
       </a:defRPr>
     </a:lvl9pPr>
   </p:defaultTextStyle>
+  <p:extLst>
+    <p:ext uri="{EFAFB233-063F-42B5-8137-9DF3F51BA10A}">
+      <p15:sldGuideLst xmlns:p15="http://schemas.microsoft.com/office/powerpoint/2012/main">
+        <p15:guide id="1" orient="horz" pos="2160">
+          <p15:clr>
+            <a:srgbClr val="A4A3A4"/>
+          </p15:clr>
+        </p15:guide>
+        <p15:guide id="2" pos="2880">
+          <p15:clr>
+            <a:srgbClr val="A4A3A4"/>
+          </p15:clr>
+        </p15:guide>
+      </p15:sldGuideLst>
+    </p:ext>
+  </p:extLst>
 </p:presentation>
 </file>
 
@@ -151,10 +168,9 @@
           <a:lstStyle/>
           <a:p>
             <a:r>
-              <a:rPr lang="en-US" smtClean="0"/>
+              <a:rPr lang="en-US"/>
               <a:t>Click to edit Master title style</a:t>
             </a:r>
-            <a:endParaRPr lang="en-US"/>
           </a:p>
         </p:txBody>
       </p:sp>
@@ -270,10 +286,9 @@
           </a:lstStyle>
           <a:p>
             <a:r>
-              <a:rPr lang="en-US" smtClean="0"/>
+              <a:rPr lang="en-US"/>
               <a:t>Click to edit Master subtitle style</a:t>
             </a:r>
-            <a:endParaRPr lang="en-US"/>
           </a:p>
         </p:txBody>
       </p:sp>
@@ -294,7 +309,7 @@
           <a:p>
             <a:fld id="{E6455D53-5ECD-C444-88D3-E6C0D976AAF9}" type="datetimeFigureOut">
               <a:rPr lang="en-US" smtClean="0"/>
-              <a:t>2/5/19</a:t>
+              <a:t>2/24/22</a:t>
             </a:fld>
             <a:endParaRPr lang="en-US"/>
           </a:p>
@@ -388,10 +403,9 @@
           <a:lstStyle/>
           <a:p>
             <a:r>
-              <a:rPr lang="en-US" smtClean="0"/>
+              <a:rPr lang="en-US"/>
               <a:t>Click to edit Master title style</a:t>
             </a:r>
-            <a:endParaRPr lang="en-US"/>
           </a:p>
         </p:txBody>
       </p:sp>
@@ -412,38 +426,37 @@
           <a:p>
             <a:pPr lvl="0"/>
             <a:r>
-              <a:rPr lang="en-US" smtClean="0"/>
+              <a:rPr lang="en-US"/>
               <a:t>Click to edit Master text styles</a:t>
             </a:r>
           </a:p>
           <a:p>
             <a:pPr lvl="1"/>
             <a:r>
-              <a:rPr lang="en-US" smtClean="0"/>
+              <a:rPr lang="en-US"/>
               <a:t>Second level</a:t>
             </a:r>
           </a:p>
           <a:p>
             <a:pPr lvl="2"/>
             <a:r>
-              <a:rPr lang="en-US" smtClean="0"/>
+              <a:rPr lang="en-US"/>
               <a:t>Third level</a:t>
             </a:r>
           </a:p>
           <a:p>
             <a:pPr lvl="3"/>
             <a:r>
-              <a:rPr lang="en-US" smtClean="0"/>
+              <a:rPr lang="en-US"/>
               <a:t>Fourth level</a:t>
             </a:r>
           </a:p>
           <a:p>
             <a:pPr lvl="4"/>
             <a:r>
-              <a:rPr lang="en-US" smtClean="0"/>
+              <a:rPr lang="en-US"/>
               <a:t>Fifth level</a:t>
             </a:r>
-            <a:endParaRPr lang="en-US"/>
           </a:p>
         </p:txBody>
       </p:sp>
@@ -464,7 +477,7 @@
           <a:p>
             <a:fld id="{E6455D53-5ECD-C444-88D3-E6C0D976AAF9}" type="datetimeFigureOut">
               <a:rPr lang="en-US" smtClean="0"/>
-              <a:t>2/5/19</a:t>
+              <a:t>2/24/22</a:t>
             </a:fld>
             <a:endParaRPr lang="en-US"/>
           </a:p>
@@ -563,10 +576,9 @@
           <a:lstStyle/>
           <a:p>
             <a:r>
-              <a:rPr lang="en-US" smtClean="0"/>
+              <a:rPr lang="en-US"/>
               <a:t>Click to edit Master title style</a:t>
             </a:r>
-            <a:endParaRPr lang="en-US"/>
           </a:p>
         </p:txBody>
       </p:sp>
@@ -592,38 +604,37 @@
           <a:p>
             <a:pPr lvl="0"/>
             <a:r>
-              <a:rPr lang="en-US" smtClean="0"/>
+              <a:rPr lang="en-US"/>
               <a:t>Click to edit Master text styles</a:t>
             </a:r>
           </a:p>
           <a:p>
             <a:pPr lvl="1"/>
             <a:r>
-              <a:rPr lang="en-US" smtClean="0"/>
+              <a:rPr lang="en-US"/>
               <a:t>Second level</a:t>
             </a:r>
           </a:p>
           <a:p>
             <a:pPr lvl="2"/>
             <a:r>
-              <a:rPr lang="en-US" smtClean="0"/>
+              <a:rPr lang="en-US"/>
               <a:t>Third level</a:t>
             </a:r>
           </a:p>
           <a:p>
             <a:pPr lvl="3"/>
             <a:r>
-              <a:rPr lang="en-US" smtClean="0"/>
+              <a:rPr lang="en-US"/>
               <a:t>Fourth level</a:t>
             </a:r>
           </a:p>
           <a:p>
             <a:pPr lvl="4"/>
             <a:r>
-              <a:rPr lang="en-US" smtClean="0"/>
+              <a:rPr lang="en-US"/>
               <a:t>Fifth level</a:t>
             </a:r>
-            <a:endParaRPr lang="en-US"/>
           </a:p>
         </p:txBody>
       </p:sp>
@@ -644,7 +655,7 @@
           <a:p>
             <a:fld id="{E6455D53-5ECD-C444-88D3-E6C0D976AAF9}" type="datetimeFigureOut">
               <a:rPr lang="en-US" smtClean="0"/>
-              <a:t>2/5/19</a:t>
+              <a:t>2/24/22</a:t>
             </a:fld>
             <a:endParaRPr lang="en-US"/>
           </a:p>
@@ -738,10 +749,9 @@
           <a:lstStyle/>
           <a:p>
             <a:r>
-              <a:rPr lang="en-US" smtClean="0"/>
+              <a:rPr lang="en-US"/>
               <a:t>Click to edit Master title style</a:t>
             </a:r>
-            <a:endParaRPr lang="en-US"/>
           </a:p>
         </p:txBody>
       </p:sp>
@@ -762,38 +772,37 @@
           <a:p>
             <a:pPr lvl="0"/>
             <a:r>
-              <a:rPr lang="en-US" smtClean="0"/>
+              <a:rPr lang="en-US"/>
               <a:t>Click to edit Master text styles</a:t>
             </a:r>
           </a:p>
           <a:p>
             <a:pPr lvl="1"/>
             <a:r>
-              <a:rPr lang="en-US" smtClean="0"/>
+              <a:rPr lang="en-US"/>
               <a:t>Second level</a:t>
             </a:r>
           </a:p>
           <a:p>
             <a:pPr lvl="2"/>
             <a:r>
-              <a:rPr lang="en-US" smtClean="0"/>
+              <a:rPr lang="en-US"/>
               <a:t>Third level</a:t>
             </a:r>
           </a:p>
           <a:p>
             <a:pPr lvl="3"/>
             <a:r>
-              <a:rPr lang="en-US" smtClean="0"/>
+              <a:rPr lang="en-US"/>
               <a:t>Fourth level</a:t>
             </a:r>
           </a:p>
           <a:p>
             <a:pPr lvl="4"/>
             <a:r>
-              <a:rPr lang="en-US" smtClean="0"/>
+              <a:rPr lang="en-US"/>
               <a:t>Fifth level</a:t>
             </a:r>
-            <a:endParaRPr lang="en-US"/>
           </a:p>
         </p:txBody>
       </p:sp>
@@ -814,7 +823,7 @@
           <a:p>
             <a:fld id="{E6455D53-5ECD-C444-88D3-E6C0D976AAF9}" type="datetimeFigureOut">
               <a:rPr lang="en-US" smtClean="0"/>
-              <a:t>2/5/19</a:t>
+              <a:t>2/24/22</a:t>
             </a:fld>
             <a:endParaRPr lang="en-US"/>
           </a:p>
@@ -917,10 +926,9 @@
           </a:lstStyle>
           <a:p>
             <a:r>
-              <a:rPr lang="en-US" smtClean="0"/>
+              <a:rPr lang="en-US"/>
               <a:t>Click to edit Master title style</a:t>
             </a:r>
-            <a:endParaRPr lang="en-US"/>
           </a:p>
         </p:txBody>
       </p:sp>
@@ -1037,7 +1045,7 @@
           <a:p>
             <a:pPr lvl="0"/>
             <a:r>
-              <a:rPr lang="en-US" smtClean="0"/>
+              <a:rPr lang="en-US"/>
               <a:t>Click to edit Master text styles</a:t>
             </a:r>
           </a:p>
@@ -1060,7 +1068,7 @@
           <a:p>
             <a:fld id="{E6455D53-5ECD-C444-88D3-E6C0D976AAF9}" type="datetimeFigureOut">
               <a:rPr lang="en-US" smtClean="0"/>
-              <a:t>2/5/19</a:t>
+              <a:t>2/24/22</a:t>
             </a:fld>
             <a:endParaRPr lang="en-US"/>
           </a:p>
@@ -1154,10 +1162,9 @@
           <a:lstStyle/>
           <a:p>
             <a:r>
-              <a:rPr lang="en-US" smtClean="0"/>
+              <a:rPr lang="en-US"/>
               <a:t>Click to edit Master title style</a:t>
             </a:r>
-            <a:endParaRPr lang="en-US"/>
           </a:p>
         </p:txBody>
       </p:sp>
@@ -1211,38 +1218,37 @@
           <a:p>
             <a:pPr lvl="0"/>
             <a:r>
-              <a:rPr lang="en-US" smtClean="0"/>
+              <a:rPr lang="en-US"/>
               <a:t>Click to edit Master text styles</a:t>
             </a:r>
           </a:p>
           <a:p>
             <a:pPr lvl="1"/>
             <a:r>
-              <a:rPr lang="en-US" smtClean="0"/>
+              <a:rPr lang="en-US"/>
               <a:t>Second level</a:t>
             </a:r>
           </a:p>
           <a:p>
             <a:pPr lvl="2"/>
             <a:r>
-              <a:rPr lang="en-US" smtClean="0"/>
+              <a:rPr lang="en-US"/>
               <a:t>Third level</a:t>
             </a:r>
           </a:p>
           <a:p>
             <a:pPr lvl="3"/>
             <a:r>
-              <a:rPr lang="en-US" smtClean="0"/>
+              <a:rPr lang="en-US"/>
               <a:t>Fourth level</a:t>
             </a:r>
           </a:p>
           <a:p>
             <a:pPr lvl="4"/>
             <a:r>
-              <a:rPr lang="en-US" smtClean="0"/>
+              <a:rPr lang="en-US"/>
               <a:t>Fifth level</a:t>
             </a:r>
-            <a:endParaRPr lang="en-US"/>
           </a:p>
         </p:txBody>
       </p:sp>
@@ -1296,38 +1302,37 @@
           <a:p>
             <a:pPr lvl="0"/>
             <a:r>
-              <a:rPr lang="en-US" smtClean="0"/>
+              <a:rPr lang="en-US"/>
               <a:t>Click to edit Master text styles</a:t>
             </a:r>
           </a:p>
           <a:p>
             <a:pPr lvl="1"/>
             <a:r>
-              <a:rPr lang="en-US" smtClean="0"/>
+              <a:rPr lang="en-US"/>
               <a:t>Second level</a:t>
             </a:r>
           </a:p>
           <a:p>
             <a:pPr lvl="2"/>
             <a:r>
-              <a:rPr lang="en-US" smtClean="0"/>
+              <a:rPr lang="en-US"/>
               <a:t>Third level</a:t>
             </a:r>
           </a:p>
           <a:p>
             <a:pPr lvl="3"/>
             <a:r>
-              <a:rPr lang="en-US" smtClean="0"/>
+              <a:rPr lang="en-US"/>
               <a:t>Fourth level</a:t>
             </a:r>
           </a:p>
           <a:p>
             <a:pPr lvl="4"/>
             <a:r>
-              <a:rPr lang="en-US" smtClean="0"/>
+              <a:rPr lang="en-US"/>
               <a:t>Fifth level</a:t>
             </a:r>
-            <a:endParaRPr lang="en-US"/>
           </a:p>
         </p:txBody>
       </p:sp>
@@ -1348,7 +1353,7 @@
           <a:p>
             <a:fld id="{E6455D53-5ECD-C444-88D3-E6C0D976AAF9}" type="datetimeFigureOut">
               <a:rPr lang="en-US" smtClean="0"/>
-              <a:t>2/5/19</a:t>
+              <a:t>2/24/22</a:t>
             </a:fld>
             <a:endParaRPr lang="en-US"/>
           </a:p>
@@ -1446,10 +1451,9 @@
           </a:lstStyle>
           <a:p>
             <a:r>
-              <a:rPr lang="en-US" smtClean="0"/>
+              <a:rPr lang="en-US"/>
               <a:t>Click to edit Master title style</a:t>
             </a:r>
-            <a:endParaRPr lang="en-US"/>
           </a:p>
         </p:txBody>
       </p:sp>
@@ -1512,7 +1516,7 @@
           <a:p>
             <a:pPr lvl="0"/>
             <a:r>
-              <a:rPr lang="en-US" smtClean="0"/>
+              <a:rPr lang="en-US"/>
               <a:t>Click to edit Master text styles</a:t>
             </a:r>
           </a:p>
@@ -1568,38 +1572,37 @@
           <a:p>
             <a:pPr lvl="0"/>
             <a:r>
-              <a:rPr lang="en-US" smtClean="0"/>
+              <a:rPr lang="en-US"/>
               <a:t>Click to edit Master text styles</a:t>
             </a:r>
           </a:p>
           <a:p>
             <a:pPr lvl="1"/>
             <a:r>
-              <a:rPr lang="en-US" smtClean="0"/>
+              <a:rPr lang="en-US"/>
               <a:t>Second level</a:t>
             </a:r>
           </a:p>
           <a:p>
             <a:pPr lvl="2"/>
             <a:r>
-              <a:rPr lang="en-US" smtClean="0"/>
+              <a:rPr lang="en-US"/>
               <a:t>Third level</a:t>
             </a:r>
           </a:p>
           <a:p>
             <a:pPr lvl="3"/>
             <a:r>
-              <a:rPr lang="en-US" smtClean="0"/>
+              <a:rPr lang="en-US"/>
               <a:t>Fourth level</a:t>
             </a:r>
           </a:p>
           <a:p>
             <a:pPr lvl="4"/>
             <a:r>
-              <a:rPr lang="en-US" smtClean="0"/>
+              <a:rPr lang="en-US"/>
               <a:t>Fifth level</a:t>
             </a:r>
-            <a:endParaRPr lang="en-US"/>
           </a:p>
         </p:txBody>
       </p:sp>
@@ -1662,7 +1665,7 @@
           <a:p>
             <a:pPr lvl="0"/>
             <a:r>
-              <a:rPr lang="en-US" smtClean="0"/>
+              <a:rPr lang="en-US"/>
               <a:t>Click to edit Master text styles</a:t>
             </a:r>
           </a:p>
@@ -1718,38 +1721,37 @@
           <a:p>
             <a:pPr lvl="0"/>
             <a:r>
-              <a:rPr lang="en-US" smtClean="0"/>
+              <a:rPr lang="en-US"/>
               <a:t>Click to edit Master text styles</a:t>
             </a:r>
           </a:p>
           <a:p>
             <a:pPr lvl="1"/>
             <a:r>
-              <a:rPr lang="en-US" smtClean="0"/>
+              <a:rPr lang="en-US"/>
               <a:t>Second level</a:t>
             </a:r>
           </a:p>
           <a:p>
             <a:pPr lvl="2"/>
             <a:r>
-              <a:rPr lang="en-US" smtClean="0"/>
+              <a:rPr lang="en-US"/>
               <a:t>Third level</a:t>
             </a:r>
           </a:p>
           <a:p>
             <a:pPr lvl="3"/>
             <a:r>
-              <a:rPr lang="en-US" smtClean="0"/>
+              <a:rPr lang="en-US"/>
               <a:t>Fourth level</a:t>
             </a:r>
           </a:p>
           <a:p>
             <a:pPr lvl="4"/>
             <a:r>
-              <a:rPr lang="en-US" smtClean="0"/>
+              <a:rPr lang="en-US"/>
               <a:t>Fifth level</a:t>
             </a:r>
-            <a:endParaRPr lang="en-US"/>
           </a:p>
         </p:txBody>
       </p:sp>
@@ -1770,7 +1772,7 @@
           <a:p>
             <a:fld id="{E6455D53-5ECD-C444-88D3-E6C0D976AAF9}" type="datetimeFigureOut">
               <a:rPr lang="en-US" smtClean="0"/>
-              <a:t>2/5/19</a:t>
+              <a:t>2/24/22</a:t>
             </a:fld>
             <a:endParaRPr lang="en-US"/>
           </a:p>
@@ -1864,10 +1866,9 @@
           <a:lstStyle/>
           <a:p>
             <a:r>
-              <a:rPr lang="en-US" smtClean="0"/>
+              <a:rPr lang="en-US"/>
               <a:t>Click to edit Master title style</a:t>
             </a:r>
-            <a:endParaRPr lang="en-US"/>
           </a:p>
         </p:txBody>
       </p:sp>
@@ -1888,7 +1889,7 @@
           <a:p>
             <a:fld id="{E6455D53-5ECD-C444-88D3-E6C0D976AAF9}" type="datetimeFigureOut">
               <a:rPr lang="en-US" smtClean="0"/>
-              <a:t>2/5/19</a:t>
+              <a:t>2/24/22</a:t>
             </a:fld>
             <a:endParaRPr lang="en-US"/>
           </a:p>
@@ -1983,7 +1984,7 @@
           <a:p>
             <a:fld id="{E6455D53-5ECD-C444-88D3-E6C0D976AAF9}" type="datetimeFigureOut">
               <a:rPr lang="en-US" smtClean="0"/>
-              <a:t>2/5/19</a:t>
+              <a:t>2/24/22</a:t>
             </a:fld>
             <a:endParaRPr lang="en-US"/>
           </a:p>
@@ -2086,10 +2087,9 @@
           </a:lstStyle>
           <a:p>
             <a:r>
-              <a:rPr lang="en-US" smtClean="0"/>
+              <a:rPr lang="en-US"/>
               <a:t>Click to edit Master title style</a:t>
             </a:r>
-            <a:endParaRPr lang="en-US"/>
           </a:p>
         </p:txBody>
       </p:sp>
@@ -2143,38 +2143,37 @@
           <a:p>
             <a:pPr lvl="0"/>
             <a:r>
-              <a:rPr lang="en-US" smtClean="0"/>
+              <a:rPr lang="en-US"/>
               <a:t>Click to edit Master text styles</a:t>
             </a:r>
           </a:p>
           <a:p>
             <a:pPr lvl="1"/>
             <a:r>
-              <a:rPr lang="en-US" smtClean="0"/>
+              <a:rPr lang="en-US"/>
               <a:t>Second level</a:t>
             </a:r>
           </a:p>
           <a:p>
             <a:pPr lvl="2"/>
             <a:r>
-              <a:rPr lang="en-US" smtClean="0"/>
+              <a:rPr lang="en-US"/>
               <a:t>Third level</a:t>
             </a:r>
           </a:p>
           <a:p>
             <a:pPr lvl="3"/>
             <a:r>
-              <a:rPr lang="en-US" smtClean="0"/>
+              <a:rPr lang="en-US"/>
               <a:t>Fourth level</a:t>
             </a:r>
           </a:p>
           <a:p>
             <a:pPr lvl="4"/>
             <a:r>
-              <a:rPr lang="en-US" smtClean="0"/>
+              <a:rPr lang="en-US"/>
               <a:t>Fifth level</a:t>
             </a:r>
-            <a:endParaRPr lang="en-US"/>
           </a:p>
         </p:txBody>
       </p:sp>
@@ -2237,7 +2236,7 @@
           <a:p>
             <a:pPr lvl="0"/>
             <a:r>
-              <a:rPr lang="en-US" smtClean="0"/>
+              <a:rPr lang="en-US"/>
               <a:t>Click to edit Master text styles</a:t>
             </a:r>
           </a:p>
@@ -2260,7 +2259,7 @@
           <a:p>
             <a:fld id="{E6455D53-5ECD-C444-88D3-E6C0D976AAF9}" type="datetimeFigureOut">
               <a:rPr lang="en-US" smtClean="0"/>
-              <a:t>2/5/19</a:t>
+              <a:t>2/24/22</a:t>
             </a:fld>
             <a:endParaRPr lang="en-US"/>
           </a:p>
@@ -2363,10 +2362,9 @@
           </a:lstStyle>
           <a:p>
             <a:r>
-              <a:rPr lang="en-US" smtClean="0"/>
+              <a:rPr lang="en-US"/>
               <a:t>Click to edit Master title style</a:t>
             </a:r>
-            <a:endParaRPr lang="en-US"/>
           </a:p>
         </p:txBody>
       </p:sp>
@@ -2490,7 +2488,7 @@
           <a:p>
             <a:pPr lvl="0"/>
             <a:r>
-              <a:rPr lang="en-US" smtClean="0"/>
+              <a:rPr lang="en-US"/>
               <a:t>Click to edit Master text styles</a:t>
             </a:r>
           </a:p>
@@ -2513,7 +2511,7 @@
           <a:p>
             <a:fld id="{E6455D53-5ECD-C444-88D3-E6C0D976AAF9}" type="datetimeFigureOut">
               <a:rPr lang="en-US" smtClean="0"/>
-              <a:t>2/5/19</a:t>
+              <a:t>2/24/22</a:t>
             </a:fld>
             <a:endParaRPr lang="en-US"/>
           </a:p>
@@ -2622,10 +2620,9 @@
           <a:lstStyle/>
           <a:p>
             <a:r>
-              <a:rPr lang="en-US" smtClean="0"/>
+              <a:rPr lang="en-US"/>
               <a:t>Click to edit Master title style</a:t>
             </a:r>
-            <a:endParaRPr lang="en-US"/>
           </a:p>
         </p:txBody>
       </p:sp>
@@ -2656,38 +2653,37 @@
           <a:p>
             <a:pPr lvl="0"/>
             <a:r>
-              <a:rPr lang="en-US" smtClean="0"/>
+              <a:rPr lang="en-US"/>
               <a:t>Click to edit Master text styles</a:t>
             </a:r>
           </a:p>
           <a:p>
             <a:pPr lvl="1"/>
             <a:r>
-              <a:rPr lang="en-US" smtClean="0"/>
+              <a:rPr lang="en-US"/>
               <a:t>Second level</a:t>
             </a:r>
           </a:p>
           <a:p>
             <a:pPr lvl="2"/>
             <a:r>
-              <a:rPr lang="en-US" smtClean="0"/>
+              <a:rPr lang="en-US"/>
               <a:t>Third level</a:t>
             </a:r>
           </a:p>
           <a:p>
             <a:pPr lvl="3"/>
             <a:r>
-              <a:rPr lang="en-US" smtClean="0"/>
+              <a:rPr lang="en-US"/>
               <a:t>Fourth level</a:t>
             </a:r>
           </a:p>
           <a:p>
             <a:pPr lvl="4"/>
             <a:r>
-              <a:rPr lang="en-US" smtClean="0"/>
+              <a:rPr lang="en-US"/>
               <a:t>Fifth level</a:t>
             </a:r>
-            <a:endParaRPr lang="en-US"/>
           </a:p>
         </p:txBody>
       </p:sp>
@@ -2726,7 +2722,7 @@
           <a:p>
             <a:fld id="{E6455D53-5ECD-C444-88D3-E6C0D976AAF9}" type="datetimeFigureOut">
               <a:rPr lang="en-US" smtClean="0"/>
-              <a:t>2/5/19</a:t>
+              <a:t>2/24/22</a:t>
             </a:fld>
             <a:endParaRPr lang="en-US"/>
           </a:p>
@@ -3101,354 +3097,412 @@
           <a:chExt cx="0" cy="0"/>
         </a:xfrm>
       </p:grpSpPr>
-      <p:pic>
-        <p:nvPicPr>
-          <p:cNvPr id="4" name="Picture 3"/>
-          <p:cNvPicPr>
-            <a:picLocks noChangeAspect="1"/>
-          </p:cNvPicPr>
+      <p:sp>
+        <p:nvSpPr>
+          <p:cNvPr id="4" name="Rectangle 3">
+            <a:extLst>
+              <a:ext uri="{FF2B5EF4-FFF2-40B4-BE49-F238E27FC236}">
+                <a16:creationId xmlns:a16="http://schemas.microsoft.com/office/drawing/2014/main" id="{07D148F5-3346-A04B-B8EC-E75FCED47FEA}"/>
+              </a:ext>
+            </a:extLst>
+          </p:cNvPr>
+          <p:cNvSpPr/>
           <p:nvPr/>
-        </p:nvPicPr>
-        <p:blipFill>
-          <a:blip r:embed="rId2"/>
-          <a:stretch>
-            <a:fillRect/>
-          </a:stretch>
-        </p:blipFill>
-        <p:spPr>
-          <a:xfrm>
-            <a:off x="0" y="1060213"/>
-            <a:ext cx="9144000" cy="5540788"/>
+        </p:nvSpPr>
+        <p:spPr>
+          <a:xfrm>
+            <a:off x="3456800" y="1119558"/>
+            <a:ext cx="715107" cy="304800"/>
           </a:xfrm>
           <a:prstGeom prst="rect">
             <a:avLst/>
           </a:prstGeom>
         </p:spPr>
-      </p:pic>
-      <p:sp>
-        <p:nvSpPr>
-          <p:cNvPr id="5" name="TextBox 4"/>
-          <p:cNvSpPr txBox="1"/>
+        <p:style>
+          <a:lnRef idx="1">
+            <a:schemeClr val="accent1"/>
+          </a:lnRef>
+          <a:fillRef idx="3">
+            <a:schemeClr val="accent1"/>
+          </a:fillRef>
+          <a:effectRef idx="2">
+            <a:schemeClr val="accent1"/>
+          </a:effectRef>
+          <a:fontRef idx="minor">
+            <a:schemeClr val="lt1"/>
+          </a:fontRef>
+        </p:style>
+        <p:txBody>
+          <a:bodyPr rtlCol="0" anchor="ctr"/>
+          <a:lstStyle/>
+          <a:p>
+            <a:pPr algn="ctr"/>
+            <a:r>
+              <a:rPr lang="en-US" dirty="0"/>
+              <a:t>Top</a:t>
+            </a:r>
+          </a:p>
+        </p:txBody>
+      </p:sp>
+      <p:sp>
+        <p:nvSpPr>
+          <p:cNvPr id="5" name="Rectangle 4">
+            <a:extLst>
+              <a:ext uri="{FF2B5EF4-FFF2-40B4-BE49-F238E27FC236}">
+                <a16:creationId xmlns:a16="http://schemas.microsoft.com/office/drawing/2014/main" id="{65463305-EC68-F94F-B5B2-021E723D7542}"/>
+              </a:ext>
+            </a:extLst>
+          </p:cNvPr>
+          <p:cNvSpPr/>
           <p:nvPr/>
         </p:nvSpPr>
         <p:spPr>
           <a:xfrm>
-            <a:off x="4995805" y="1427432"/>
-            <a:ext cx="2192404" cy="1200329"/>
+            <a:off x="2214151" y="2010509"/>
+            <a:ext cx="1066802" cy="304800"/>
           </a:xfrm>
           <a:prstGeom prst="rect">
             <a:avLst/>
           </a:prstGeom>
-          <a:solidFill>
-            <a:srgbClr val="FFFF00"/>
-          </a:solidFill>
-          <a:ln>
-            <a:solidFill>
-              <a:schemeClr val="tx1"/>
-            </a:solidFill>
-          </a:ln>
-          <a:effectLst/>
-        </p:spPr>
-        <p:txBody>
-          <a:bodyPr wrap="square" rtlCol="0">
-            <a:spAutoFit/>
-          </a:bodyPr>
-          <a:lstStyle/>
-          <a:p>
-            <a:r>
-              <a:rPr lang="en-US" dirty="0" smtClean="0"/>
-              <a:t>You are always viewing an entry. Here is a folder called Development</a:t>
-            </a:r>
-            <a:endParaRPr lang="en-US" dirty="0"/>
-          </a:p>
-        </p:txBody>
-      </p:sp>
-      <p:cxnSp>
-        <p:nvCxnSpPr>
-          <p:cNvPr id="6" name="Straight Arrow Connector 5"/>
-          <p:cNvCxnSpPr>
-            <a:stCxn id="5" idx="1"/>
-          </p:cNvCxnSpPr>
-          <p:nvPr/>
-        </p:nvCxnSpPr>
-        <p:spPr>
-          <a:xfrm flipH="1">
-            <a:off x="4324905" y="2027597"/>
-            <a:ext cx="670900" cy="481706"/>
-          </a:xfrm>
-          <a:prstGeom prst="straightConnector1">
-            <a:avLst/>
-          </a:prstGeom>
-          <a:ln>
-            <a:solidFill>
-              <a:schemeClr val="tx1"/>
-            </a:solidFill>
-            <a:tailEnd type="arrow"/>
-          </a:ln>
-          <a:effectLst/>
         </p:spPr>
         <p:style>
-          <a:lnRef idx="2">
+          <a:lnRef idx="1">
             <a:schemeClr val="accent1"/>
           </a:lnRef>
-          <a:fillRef idx="0">
+          <a:fillRef idx="3">
             <a:schemeClr val="accent1"/>
           </a:fillRef>
-          <a:effectRef idx="1">
+          <a:effectRef idx="2">
             <a:schemeClr val="accent1"/>
           </a:effectRef>
           <a:fontRef idx="minor">
-            <a:schemeClr val="tx1"/>
+            <a:schemeClr val="lt1"/>
           </a:fontRef>
         </p:style>
-      </p:cxnSp>
-      <p:sp>
-        <p:nvSpPr>
-          <p:cNvPr id="10" name="TextBox 9"/>
-          <p:cNvSpPr txBox="1"/>
+        <p:txBody>
+          <a:bodyPr rtlCol="0" anchor="ctr"/>
+          <a:lstStyle/>
+          <a:p>
+            <a:pPr algn="ctr"/>
+            <a:r>
+              <a:rPr lang="en-US" dirty="0"/>
+              <a:t>Folder 1</a:t>
+            </a:r>
+          </a:p>
+        </p:txBody>
+      </p:sp>
+      <p:sp>
+        <p:nvSpPr>
+          <p:cNvPr id="10" name="Rectangle 9">
+            <a:extLst>
+              <a:ext uri="{FF2B5EF4-FFF2-40B4-BE49-F238E27FC236}">
+                <a16:creationId xmlns:a16="http://schemas.microsoft.com/office/drawing/2014/main" id="{A8F499F6-41E6-4547-87BD-5A7DD1187204}"/>
+              </a:ext>
+            </a:extLst>
+          </p:cNvPr>
+          <p:cNvSpPr/>
           <p:nvPr/>
         </p:nvSpPr>
         <p:spPr>
           <a:xfrm>
-            <a:off x="730800" y="499560"/>
-            <a:ext cx="2144483" cy="646331"/>
+            <a:off x="4171907" y="2010509"/>
+            <a:ext cx="1066802" cy="304800"/>
           </a:xfrm>
           <a:prstGeom prst="rect">
             <a:avLst/>
           </a:prstGeom>
-          <a:solidFill>
-            <a:srgbClr val="FFFF00"/>
-          </a:solidFill>
-          <a:ln>
-            <a:solidFill>
-              <a:schemeClr val="tx1"/>
-            </a:solidFill>
-          </a:ln>
-          <a:effectLst/>
-        </p:spPr>
-        <p:txBody>
-          <a:bodyPr wrap="square" rtlCol="0">
-            <a:spAutoFit/>
-          </a:bodyPr>
-          <a:lstStyle/>
-          <a:p>
-            <a:r>
-              <a:rPr lang="en-US" dirty="0" smtClean="0"/>
-              <a:t>Entries are organized hierarchically</a:t>
-            </a:r>
-            <a:endParaRPr lang="en-US" dirty="0"/>
-          </a:p>
-        </p:txBody>
-      </p:sp>
-      <p:cxnSp>
-        <p:nvCxnSpPr>
-          <p:cNvPr id="11" name="Straight Arrow Connector 10"/>
-          <p:cNvCxnSpPr>
-            <a:stCxn id="10" idx="2"/>
-          </p:cNvCxnSpPr>
-          <p:nvPr/>
-        </p:nvCxnSpPr>
-        <p:spPr>
-          <a:xfrm>
-            <a:off x="1803042" y="1145891"/>
-            <a:ext cx="245598" cy="968017"/>
-          </a:xfrm>
-          <a:prstGeom prst="straightConnector1">
-            <a:avLst/>
-          </a:prstGeom>
-          <a:ln>
-            <a:solidFill>
-              <a:schemeClr val="tx1"/>
-            </a:solidFill>
-            <a:tailEnd type="arrow"/>
-          </a:ln>
-          <a:effectLst/>
         </p:spPr>
         <p:style>
-          <a:lnRef idx="2">
+          <a:lnRef idx="1">
             <a:schemeClr val="accent1"/>
           </a:lnRef>
-          <a:fillRef idx="0">
+          <a:fillRef idx="3">
             <a:schemeClr val="accent1"/>
           </a:fillRef>
-          <a:effectRef idx="1">
+          <a:effectRef idx="2">
             <a:schemeClr val="accent1"/>
           </a:effectRef>
           <a:fontRef idx="minor">
-            <a:schemeClr val="tx1"/>
+            <a:schemeClr val="lt1"/>
           </a:fontRef>
         </p:style>
-      </p:cxnSp>
-      <p:sp>
-        <p:nvSpPr>
-          <p:cNvPr id="15" name="TextBox 14"/>
-          <p:cNvSpPr txBox="1"/>
+        <p:txBody>
+          <a:bodyPr rtlCol="0" anchor="ctr"/>
+          <a:lstStyle/>
+          <a:p>
+            <a:pPr algn="ctr"/>
+            <a:r>
+              <a:rPr lang="en-US" dirty="0"/>
+              <a:t>Folder 2</a:t>
+            </a:r>
+          </a:p>
+        </p:txBody>
+      </p:sp>
+      <p:sp>
+        <p:nvSpPr>
+          <p:cNvPr id="11" name="Rectangle 10">
+            <a:extLst>
+              <a:ext uri="{FF2B5EF4-FFF2-40B4-BE49-F238E27FC236}">
+                <a16:creationId xmlns:a16="http://schemas.microsoft.com/office/drawing/2014/main" id="{043C4DBC-3A9F-8C42-95CD-84CADCF1ACB9}"/>
+              </a:ext>
+            </a:extLst>
+          </p:cNvPr>
+          <p:cNvSpPr/>
           <p:nvPr/>
         </p:nvSpPr>
         <p:spPr>
           <a:xfrm>
-            <a:off x="2875283" y="3300431"/>
-            <a:ext cx="2192404" cy="646331"/>
+            <a:off x="1053566" y="3124200"/>
+            <a:ext cx="1066802" cy="304800"/>
           </a:xfrm>
           <a:prstGeom prst="rect">
             <a:avLst/>
           </a:prstGeom>
-          <a:solidFill>
-            <a:srgbClr val="FFFF00"/>
-          </a:solidFill>
-          <a:ln>
-            <a:solidFill>
-              <a:schemeClr val="tx1"/>
-            </a:solidFill>
-          </a:ln>
-          <a:effectLst/>
-        </p:spPr>
-        <p:txBody>
-          <a:bodyPr wrap="square" rtlCol="0">
-            <a:spAutoFit/>
-          </a:bodyPr>
-          <a:lstStyle/>
-          <a:p>
-            <a:r>
-              <a:rPr lang="en-US" dirty="0" smtClean="0"/>
-              <a:t>Click on the arrow to open the folder</a:t>
-            </a:r>
-            <a:endParaRPr lang="en-US" dirty="0"/>
-          </a:p>
-        </p:txBody>
-      </p:sp>
-      <p:cxnSp>
-        <p:nvCxnSpPr>
-          <p:cNvPr id="16" name="Straight Arrow Connector 15"/>
-          <p:cNvCxnSpPr>
-            <a:stCxn id="15" idx="1"/>
-          </p:cNvCxnSpPr>
-          <p:nvPr/>
-        </p:nvCxnSpPr>
-        <p:spPr>
-          <a:xfrm flipH="1" flipV="1">
-            <a:off x="814664" y="3204239"/>
-            <a:ext cx="2060619" cy="419358"/>
-          </a:xfrm>
-          <a:prstGeom prst="straightConnector1">
-            <a:avLst/>
-          </a:prstGeom>
-          <a:ln>
-            <a:solidFill>
-              <a:schemeClr val="tx1"/>
-            </a:solidFill>
-            <a:tailEnd type="arrow"/>
-          </a:ln>
-          <a:effectLst/>
         </p:spPr>
         <p:style>
-          <a:lnRef idx="2">
+          <a:lnRef idx="1">
             <a:schemeClr val="accent1"/>
           </a:lnRef>
-          <a:fillRef idx="0">
+          <a:fillRef idx="3">
             <a:schemeClr val="accent1"/>
           </a:fillRef>
-          <a:effectRef idx="1">
+          <a:effectRef idx="2">
             <a:schemeClr val="accent1"/>
           </a:effectRef>
           <a:fontRef idx="minor">
-            <a:schemeClr val="tx1"/>
+            <a:schemeClr val="lt1"/>
           </a:fontRef>
         </p:style>
-      </p:cxnSp>
-      <p:sp>
-        <p:nvSpPr>
-          <p:cNvPr id="22" name="TextBox 21"/>
-          <p:cNvSpPr txBox="1"/>
+        <p:txBody>
+          <a:bodyPr rtlCol="0" anchor="ctr"/>
+          <a:lstStyle/>
+          <a:p>
+            <a:pPr algn="ctr"/>
+            <a:r>
+              <a:rPr lang="en-US" dirty="0"/>
+              <a:t>File 1</a:t>
+            </a:r>
+          </a:p>
+        </p:txBody>
+      </p:sp>
+      <p:sp>
+        <p:nvSpPr>
+          <p:cNvPr id="12" name="Rectangle 11">
+            <a:extLst>
+              <a:ext uri="{FF2B5EF4-FFF2-40B4-BE49-F238E27FC236}">
+                <a16:creationId xmlns:a16="http://schemas.microsoft.com/office/drawing/2014/main" id="{72BDFFD5-578F-CD4F-B92E-F08067A3123D}"/>
+              </a:ext>
+            </a:extLst>
+          </p:cNvPr>
+          <p:cNvSpPr/>
           <p:nvPr/>
         </p:nvSpPr>
         <p:spPr>
           <a:xfrm>
-            <a:off x="2803402" y="4243120"/>
-            <a:ext cx="2192404" cy="646331"/>
+            <a:off x="2747552" y="3124200"/>
+            <a:ext cx="1066802" cy="304800"/>
           </a:xfrm>
           <a:prstGeom prst="rect">
             <a:avLst/>
           </a:prstGeom>
-          <a:solidFill>
-            <a:srgbClr val="FFFF00"/>
-          </a:solidFill>
-          <a:ln>
+        </p:spPr>
+        <p:style>
+          <a:lnRef idx="1">
+            <a:schemeClr val="accent1"/>
+          </a:lnRef>
+          <a:fillRef idx="3">
+            <a:schemeClr val="accent1"/>
+          </a:fillRef>
+          <a:effectRef idx="2">
+            <a:schemeClr val="accent1"/>
+          </a:effectRef>
+          <a:fontRef idx="minor">
+            <a:schemeClr val="lt1"/>
+          </a:fontRef>
+        </p:style>
+        <p:txBody>
+          <a:bodyPr rtlCol="0" anchor="ctr"/>
+          <a:lstStyle/>
+          <a:p>
+            <a:pPr algn="ctr"/>
+            <a:r>
+              <a:rPr lang="en-US" dirty="0"/>
+              <a:t>Project</a:t>
+            </a:r>
+          </a:p>
+        </p:txBody>
+      </p:sp>
+      <p:sp>
+        <p:nvSpPr>
+          <p:cNvPr id="14" name="Rectangle 13">
+            <a:extLst>
+              <a:ext uri="{FF2B5EF4-FFF2-40B4-BE49-F238E27FC236}">
+                <a16:creationId xmlns:a16="http://schemas.microsoft.com/office/drawing/2014/main" id="{ED79468E-F46D-FC49-8AC1-3C4E5EE2BB4A}"/>
+              </a:ext>
+            </a:extLst>
+          </p:cNvPr>
+          <p:cNvSpPr/>
+          <p:nvPr/>
+        </p:nvSpPr>
+        <p:spPr>
+          <a:xfrm>
+            <a:off x="637386" y="1556494"/>
+            <a:ext cx="1066801" cy="304800"/>
+          </a:xfrm>
+          <a:prstGeom prst="rect">
+            <a:avLst/>
+          </a:prstGeom>
+          <a:noFill/>
+          <a:ln w="9525" cmpd="sng">
             <a:solidFill>
-              <a:schemeClr val="tx1"/>
+              <a:schemeClr val="accent1">
+                <a:shade val="95000"/>
+                <a:satMod val="105000"/>
+              </a:schemeClr>
             </a:solidFill>
           </a:ln>
-          <a:effectLst/>
-        </p:spPr>
-        <p:txBody>
-          <a:bodyPr wrap="square" rtlCol="0">
-            <a:spAutoFit/>
-          </a:bodyPr>
-          <a:lstStyle/>
-          <a:p>
-            <a:r>
-              <a:rPr lang="en-US" dirty="0" smtClean="0"/>
-              <a:t>Click on the link to view the folder</a:t>
-            </a:r>
-          </a:p>
-        </p:txBody>
-      </p:sp>
-      <p:cxnSp>
-        <p:nvCxnSpPr>
-          <p:cNvPr id="23" name="Straight Arrow Connector 22"/>
-          <p:cNvCxnSpPr>
-            <a:stCxn id="22" idx="1"/>
-          </p:cNvCxnSpPr>
+          <a:effectLst>
+            <a:outerShdw dist="23000" sx="1000" sy="1000" rotWithShape="0">
+              <a:srgbClr val="000000">
+                <a:alpha val="0"/>
+              </a:srgbClr>
+            </a:outerShdw>
+          </a:effectLst>
+        </p:spPr>
+        <p:style>
+          <a:lnRef idx="1">
+            <a:schemeClr val="accent1"/>
+          </a:lnRef>
+          <a:fillRef idx="3">
+            <a:schemeClr val="accent1"/>
+          </a:fillRef>
+          <a:effectRef idx="2">
+            <a:schemeClr val="accent1"/>
+          </a:effectRef>
+          <a:fontRef idx="minor">
+            <a:schemeClr val="lt1"/>
+          </a:fontRef>
+        </p:style>
+        <p:txBody>
+          <a:bodyPr rtlCol="0" anchor="ctr"/>
+          <a:lstStyle/>
+          <a:p>
+            <a:pPr algn="ctr"/>
+            <a:r>
+              <a:rPr lang="en-US" dirty="0">
+                <a:solidFill>
+                  <a:schemeClr val="tx1"/>
+                </a:solidFill>
+              </a:rPr>
+              <a:t>Tag</a:t>
+            </a:r>
+          </a:p>
+        </p:txBody>
+      </p:sp>
+      <p:sp>
+        <p:nvSpPr>
+          <p:cNvPr id="17" name="Rectangle 16">
+            <a:extLst>
+              <a:ext uri="{FF2B5EF4-FFF2-40B4-BE49-F238E27FC236}">
+                <a16:creationId xmlns:a16="http://schemas.microsoft.com/office/drawing/2014/main" id="{C38A27E5-7AFC-1140-B7AE-1DA8A6540ED1}"/>
+              </a:ext>
+            </a:extLst>
+          </p:cNvPr>
+          <p:cNvSpPr/>
           <p:nvPr/>
-        </p:nvCxnSpPr>
-        <p:spPr>
-          <a:xfrm flipH="1" flipV="1">
-            <a:off x="1377740" y="4243120"/>
-            <a:ext cx="1425662" cy="323166"/>
-          </a:xfrm>
-          <a:prstGeom prst="straightConnector1">
+        </p:nvSpPr>
+        <p:spPr>
+          <a:xfrm>
+            <a:off x="1976674" y="4387106"/>
+            <a:ext cx="1066802" cy="304800"/>
+          </a:xfrm>
+          <a:prstGeom prst="rect">
             <a:avLst/>
           </a:prstGeom>
-          <a:ln>
-            <a:solidFill>
-              <a:schemeClr val="tx1"/>
-            </a:solidFill>
-            <a:tailEnd type="arrow"/>
-          </a:ln>
-          <a:effectLst/>
         </p:spPr>
         <p:style>
-          <a:lnRef idx="2">
+          <a:lnRef idx="1">
             <a:schemeClr val="accent1"/>
           </a:lnRef>
-          <a:fillRef idx="0">
+          <a:fillRef idx="3">
             <a:schemeClr val="accent1"/>
           </a:fillRef>
-          <a:effectRef idx="1">
+          <a:effectRef idx="2">
             <a:schemeClr val="accent1"/>
           </a:effectRef>
           <a:fontRef idx="minor">
-            <a:schemeClr val="tx1"/>
+            <a:schemeClr val="lt1"/>
           </a:fontRef>
         </p:style>
-      </p:cxnSp>
+        <p:txBody>
+          <a:bodyPr rtlCol="0" anchor="ctr"/>
+          <a:lstStyle/>
+          <a:p>
+            <a:pPr algn="ctr"/>
+            <a:r>
+              <a:rPr lang="en-US" dirty="0"/>
+              <a:t>File 1</a:t>
+            </a:r>
+          </a:p>
+        </p:txBody>
+      </p:sp>
+      <p:sp>
+        <p:nvSpPr>
+          <p:cNvPr id="18" name="Rectangle 17">
+            <a:extLst>
+              <a:ext uri="{FF2B5EF4-FFF2-40B4-BE49-F238E27FC236}">
+                <a16:creationId xmlns:a16="http://schemas.microsoft.com/office/drawing/2014/main" id="{B8F4F94D-DD8F-D844-91FC-60016E5ECA8A}"/>
+              </a:ext>
+            </a:extLst>
+          </p:cNvPr>
+          <p:cNvSpPr/>
+          <p:nvPr/>
+        </p:nvSpPr>
+        <p:spPr>
+          <a:xfrm>
+            <a:off x="3298199" y="4387106"/>
+            <a:ext cx="1066802" cy="304800"/>
+          </a:xfrm>
+          <a:prstGeom prst="rect">
+            <a:avLst/>
+          </a:prstGeom>
+        </p:spPr>
+        <p:style>
+          <a:lnRef idx="1">
+            <a:schemeClr val="accent1"/>
+          </a:lnRef>
+          <a:fillRef idx="3">
+            <a:schemeClr val="accent1"/>
+          </a:fillRef>
+          <a:effectRef idx="2">
+            <a:schemeClr val="accent1"/>
+          </a:effectRef>
+          <a:fontRef idx="minor">
+            <a:schemeClr val="lt1"/>
+          </a:fontRef>
+        </p:style>
+        <p:txBody>
+          <a:bodyPr rtlCol="0" anchor="ctr"/>
+          <a:lstStyle/>
+          <a:p>
+            <a:pPr algn="ctr"/>
+            <a:r>
+              <a:rPr lang="en-US" dirty="0"/>
+              <a:t>File 1</a:t>
+            </a:r>
+          </a:p>
+        </p:txBody>
+      </p:sp>
     </p:spTree>
     <p:extLst>
       <p:ext uri="{BB962C8B-B14F-4D97-AF65-F5344CB8AC3E}">
-        <p14:creationId xmlns:p14="http://schemas.microsoft.com/office/powerpoint/2010/main" val="1670412721"/>
+        <p14:creationId xmlns:p14="http://schemas.microsoft.com/office/powerpoint/2010/main" val="2843184623"/>
       </p:ext>
     </p:extLst>
   </p:cSld>
   <p:clrMapOvr>
     <a:masterClrMapping/>
   </p:clrMapOvr>
-  <p:timing>
-    <p:tnLst>
-      <p:par>
-        <p:cTn xmlns:p14="http://schemas.microsoft.com/office/powerpoint/2010/main" id="1" dur="indefinite" restart="never" nodeType="tmRoot"/>
-      </p:par>
-    </p:tnLst>
-  </p:timing>
 </p:sld>
 </file>
 
@@ -3485,7 +3539,7 @@
         </p:blipFill>
         <p:spPr>
           <a:xfrm>
-            <a:off x="0" y="1208353"/>
+            <a:off x="0" y="1060213"/>
             <a:ext cx="9144000" cy="5540788"/>
           </a:xfrm>
           <a:prstGeom prst="rect">
@@ -3501,8 +3555,8 @@
         </p:nvSpPr>
         <p:spPr>
           <a:xfrm>
-            <a:off x="730800" y="647700"/>
-            <a:ext cx="3725889" cy="923330"/>
+            <a:off x="4995805" y="1427432"/>
+            <a:ext cx="2192404" cy="1200329"/>
           </a:xfrm>
           <a:prstGeom prst="rect">
             <a:avLst/>
@@ -3524,10 +3578,9 @@
           <a:lstStyle/>
           <a:p>
             <a:r>
-              <a:rPr lang="en-US" dirty="0" smtClean="0"/>
-              <a:t>Click on the down arrow to show the actions and views available for this entry</a:t>
-            </a:r>
-            <a:endParaRPr lang="en-US" dirty="0"/>
+              <a:rPr lang="en-US" dirty="0"/>
+              <a:t>You are always viewing an entry. Here is a folder called Development</a:t>
+            </a:r>
           </a:p>
         </p:txBody>
       </p:sp>
@@ -3535,14 +3588,14 @@
         <p:nvCxnSpPr>
           <p:cNvPr id="6" name="Straight Arrow Connector 5"/>
           <p:cNvCxnSpPr>
-            <a:stCxn id="5" idx="2"/>
+            <a:stCxn id="5" idx="1"/>
           </p:cNvCxnSpPr>
           <p:nvPr/>
         </p:nvCxnSpPr>
         <p:spPr>
           <a:xfrm flipH="1">
-            <a:off x="1461603" y="1571030"/>
-            <a:ext cx="1132142" cy="691018"/>
+            <a:off x="4324905" y="2027597"/>
+            <a:ext cx="670900" cy="481706"/>
           </a:xfrm>
           <a:prstGeom prst="straightConnector1">
             <a:avLst/>
@@ -3570,23 +3623,244 @@
           </a:fontRef>
         </p:style>
       </p:cxnSp>
+      <p:sp>
+        <p:nvSpPr>
+          <p:cNvPr id="10" name="TextBox 9"/>
+          <p:cNvSpPr txBox="1"/>
+          <p:nvPr/>
+        </p:nvSpPr>
+        <p:spPr>
+          <a:xfrm>
+            <a:off x="730800" y="499560"/>
+            <a:ext cx="2144483" cy="646331"/>
+          </a:xfrm>
+          <a:prstGeom prst="rect">
+            <a:avLst/>
+          </a:prstGeom>
+          <a:solidFill>
+            <a:srgbClr val="FFFF00"/>
+          </a:solidFill>
+          <a:ln>
+            <a:solidFill>
+              <a:schemeClr val="tx1"/>
+            </a:solidFill>
+          </a:ln>
+          <a:effectLst/>
+        </p:spPr>
+        <p:txBody>
+          <a:bodyPr wrap="square" rtlCol="0">
+            <a:spAutoFit/>
+          </a:bodyPr>
+          <a:lstStyle/>
+          <a:p>
+            <a:r>
+              <a:rPr lang="en-US" dirty="0"/>
+              <a:t>Entries are organized hierarchically</a:t>
+            </a:r>
+          </a:p>
+        </p:txBody>
+      </p:sp>
+      <p:cxnSp>
+        <p:nvCxnSpPr>
+          <p:cNvPr id="11" name="Straight Arrow Connector 10"/>
+          <p:cNvCxnSpPr>
+            <a:stCxn id="10" idx="2"/>
+          </p:cNvCxnSpPr>
+          <p:nvPr/>
+        </p:nvCxnSpPr>
+        <p:spPr>
+          <a:xfrm>
+            <a:off x="1803042" y="1145891"/>
+            <a:ext cx="245598" cy="968017"/>
+          </a:xfrm>
+          <a:prstGeom prst="straightConnector1">
+            <a:avLst/>
+          </a:prstGeom>
+          <a:ln>
+            <a:solidFill>
+              <a:schemeClr val="tx1"/>
+            </a:solidFill>
+            <a:tailEnd type="arrow"/>
+          </a:ln>
+          <a:effectLst/>
+        </p:spPr>
+        <p:style>
+          <a:lnRef idx="2">
+            <a:schemeClr val="accent1"/>
+          </a:lnRef>
+          <a:fillRef idx="0">
+            <a:schemeClr val="accent1"/>
+          </a:fillRef>
+          <a:effectRef idx="1">
+            <a:schemeClr val="accent1"/>
+          </a:effectRef>
+          <a:fontRef idx="minor">
+            <a:schemeClr val="tx1"/>
+          </a:fontRef>
+        </p:style>
+      </p:cxnSp>
+      <p:sp>
+        <p:nvSpPr>
+          <p:cNvPr id="15" name="TextBox 14"/>
+          <p:cNvSpPr txBox="1"/>
+          <p:nvPr/>
+        </p:nvSpPr>
+        <p:spPr>
+          <a:xfrm>
+            <a:off x="2875283" y="3300431"/>
+            <a:ext cx="2192404" cy="646331"/>
+          </a:xfrm>
+          <a:prstGeom prst="rect">
+            <a:avLst/>
+          </a:prstGeom>
+          <a:solidFill>
+            <a:srgbClr val="FFFF00"/>
+          </a:solidFill>
+          <a:ln>
+            <a:solidFill>
+              <a:schemeClr val="tx1"/>
+            </a:solidFill>
+          </a:ln>
+          <a:effectLst/>
+        </p:spPr>
+        <p:txBody>
+          <a:bodyPr wrap="square" rtlCol="0">
+            <a:spAutoFit/>
+          </a:bodyPr>
+          <a:lstStyle/>
+          <a:p>
+            <a:r>
+              <a:rPr lang="en-US" dirty="0"/>
+              <a:t>Click on the arrow to open the folder</a:t>
+            </a:r>
+          </a:p>
+        </p:txBody>
+      </p:sp>
+      <p:cxnSp>
+        <p:nvCxnSpPr>
+          <p:cNvPr id="16" name="Straight Arrow Connector 15"/>
+          <p:cNvCxnSpPr>
+            <a:stCxn id="15" idx="1"/>
+          </p:cNvCxnSpPr>
+          <p:nvPr/>
+        </p:nvCxnSpPr>
+        <p:spPr>
+          <a:xfrm flipH="1" flipV="1">
+            <a:off x="814664" y="3204239"/>
+            <a:ext cx="2060619" cy="419358"/>
+          </a:xfrm>
+          <a:prstGeom prst="straightConnector1">
+            <a:avLst/>
+          </a:prstGeom>
+          <a:ln>
+            <a:solidFill>
+              <a:schemeClr val="tx1"/>
+            </a:solidFill>
+            <a:tailEnd type="arrow"/>
+          </a:ln>
+          <a:effectLst/>
+        </p:spPr>
+        <p:style>
+          <a:lnRef idx="2">
+            <a:schemeClr val="accent1"/>
+          </a:lnRef>
+          <a:fillRef idx="0">
+            <a:schemeClr val="accent1"/>
+          </a:fillRef>
+          <a:effectRef idx="1">
+            <a:schemeClr val="accent1"/>
+          </a:effectRef>
+          <a:fontRef idx="minor">
+            <a:schemeClr val="tx1"/>
+          </a:fontRef>
+        </p:style>
+      </p:cxnSp>
+      <p:sp>
+        <p:nvSpPr>
+          <p:cNvPr id="22" name="TextBox 21"/>
+          <p:cNvSpPr txBox="1"/>
+          <p:nvPr/>
+        </p:nvSpPr>
+        <p:spPr>
+          <a:xfrm>
+            <a:off x="2803402" y="4243120"/>
+            <a:ext cx="2192404" cy="646331"/>
+          </a:xfrm>
+          <a:prstGeom prst="rect">
+            <a:avLst/>
+          </a:prstGeom>
+          <a:solidFill>
+            <a:srgbClr val="FFFF00"/>
+          </a:solidFill>
+          <a:ln>
+            <a:solidFill>
+              <a:schemeClr val="tx1"/>
+            </a:solidFill>
+          </a:ln>
+          <a:effectLst/>
+        </p:spPr>
+        <p:txBody>
+          <a:bodyPr wrap="square" rtlCol="0">
+            <a:spAutoFit/>
+          </a:bodyPr>
+          <a:lstStyle/>
+          <a:p>
+            <a:r>
+              <a:rPr lang="en-US" dirty="0"/>
+              <a:t>Click on the link to view the folder</a:t>
+            </a:r>
+          </a:p>
+        </p:txBody>
+      </p:sp>
+      <p:cxnSp>
+        <p:nvCxnSpPr>
+          <p:cNvPr id="23" name="Straight Arrow Connector 22"/>
+          <p:cNvCxnSpPr>
+            <a:stCxn id="22" idx="1"/>
+          </p:cNvCxnSpPr>
+          <p:nvPr/>
+        </p:nvCxnSpPr>
+        <p:spPr>
+          <a:xfrm flipH="1" flipV="1">
+            <a:off x="1377740" y="4243120"/>
+            <a:ext cx="1425662" cy="323166"/>
+          </a:xfrm>
+          <a:prstGeom prst="straightConnector1">
+            <a:avLst/>
+          </a:prstGeom>
+          <a:ln>
+            <a:solidFill>
+              <a:schemeClr val="tx1"/>
+            </a:solidFill>
+            <a:tailEnd type="arrow"/>
+          </a:ln>
+          <a:effectLst/>
+        </p:spPr>
+        <p:style>
+          <a:lnRef idx="2">
+            <a:schemeClr val="accent1"/>
+          </a:lnRef>
+          <a:fillRef idx="0">
+            <a:schemeClr val="accent1"/>
+          </a:fillRef>
+          <a:effectRef idx="1">
+            <a:schemeClr val="accent1"/>
+          </a:effectRef>
+          <a:fontRef idx="minor">
+            <a:schemeClr val="tx1"/>
+          </a:fontRef>
+        </p:style>
+      </p:cxnSp>
     </p:spTree>
     <p:extLst>
       <p:ext uri="{BB962C8B-B14F-4D97-AF65-F5344CB8AC3E}">
-        <p14:creationId xmlns:p14="http://schemas.microsoft.com/office/powerpoint/2010/main" val="512064589"/>
+        <p14:creationId xmlns:p14="http://schemas.microsoft.com/office/powerpoint/2010/main" val="1670412721"/>
       </p:ext>
     </p:extLst>
   </p:cSld>
   <p:clrMapOvr>
     <a:masterClrMapping/>
   </p:clrMapOvr>
-  <p:timing>
-    <p:tnLst>
-      <p:par>
-        <p:cTn xmlns:p14="http://schemas.microsoft.com/office/powerpoint/2010/main" id="1" dur="indefinite" restart="never" nodeType="tmRoot"/>
-      </p:par>
-    </p:tnLst>
-  </p:timing>
 </p:sld>
 </file>
 
@@ -3623,7 +3897,7 @@
         </p:blipFill>
         <p:spPr>
           <a:xfrm>
-            <a:off x="0" y="647700"/>
+            <a:off x="0" y="1208353"/>
             <a:ext cx="9144000" cy="5540788"/>
           </a:xfrm>
           <a:prstGeom prst="rect">
@@ -3639,8 +3913,8 @@
         </p:nvSpPr>
         <p:spPr>
           <a:xfrm>
-            <a:off x="610998" y="1266533"/>
-            <a:ext cx="2192404" cy="646331"/>
+            <a:off x="730800" y="647700"/>
+            <a:ext cx="3725889" cy="923330"/>
           </a:xfrm>
           <a:prstGeom prst="rect">
             <a:avLst/>
@@ -3662,23 +3936,115 @@
           <a:lstStyle/>
           <a:p>
             <a:r>
-              <a:rPr lang="en-US" dirty="0" smtClean="0"/>
-              <a:t>1) Click on the link to open the top form</a:t>
-            </a:r>
-            <a:endParaRPr lang="en-US" dirty="0"/>
-          </a:p>
-        </p:txBody>
-      </p:sp>
-      <p:sp>
-        <p:nvSpPr>
-          <p:cNvPr id="6" name="TextBox 5"/>
+              <a:rPr lang="en-US" dirty="0"/>
+              <a:t>Click on the down arrow to show the actions and views available for this entry</a:t>
+            </a:r>
+          </a:p>
+        </p:txBody>
+      </p:sp>
+      <p:cxnSp>
+        <p:nvCxnSpPr>
+          <p:cNvPr id="6" name="Straight Arrow Connector 5"/>
+          <p:cNvCxnSpPr>
+            <a:stCxn id="5" idx="2"/>
+          </p:cNvCxnSpPr>
+          <p:nvPr/>
+        </p:nvCxnSpPr>
+        <p:spPr>
+          <a:xfrm flipH="1">
+            <a:off x="1461603" y="1571030"/>
+            <a:ext cx="1132142" cy="691018"/>
+          </a:xfrm>
+          <a:prstGeom prst="straightConnector1">
+            <a:avLst/>
+          </a:prstGeom>
+          <a:ln>
+            <a:solidFill>
+              <a:schemeClr val="tx1"/>
+            </a:solidFill>
+            <a:tailEnd type="arrow"/>
+          </a:ln>
+          <a:effectLst/>
+        </p:spPr>
+        <p:style>
+          <a:lnRef idx="2">
+            <a:schemeClr val="accent1"/>
+          </a:lnRef>
+          <a:fillRef idx="0">
+            <a:schemeClr val="accent1"/>
+          </a:fillRef>
+          <a:effectRef idx="1">
+            <a:schemeClr val="accent1"/>
+          </a:effectRef>
+          <a:fontRef idx="minor">
+            <a:schemeClr val="tx1"/>
+          </a:fontRef>
+        </p:style>
+      </p:cxnSp>
+    </p:spTree>
+    <p:extLst>
+      <p:ext uri="{BB962C8B-B14F-4D97-AF65-F5344CB8AC3E}">
+        <p14:creationId xmlns:p14="http://schemas.microsoft.com/office/powerpoint/2010/main" val="512064589"/>
+      </p:ext>
+    </p:extLst>
+  </p:cSld>
+  <p:clrMapOvr>
+    <a:masterClrMapping/>
+  </p:clrMapOvr>
+</p:sld>
+</file>
+
+<file path=ppt/slides/slide4.xml><?xml version="1.0" encoding="utf-8"?>
+<p:sld xmlns:a="http://schemas.openxmlformats.org/drawingml/2006/main" xmlns:r="http://schemas.openxmlformats.org/officeDocument/2006/relationships" xmlns:p="http://schemas.openxmlformats.org/presentationml/2006/main">
+  <p:cSld>
+    <p:spTree>
+      <p:nvGrpSpPr>
+        <p:cNvPr id="1" name=""/>
+        <p:cNvGrpSpPr/>
+        <p:nvPr/>
+      </p:nvGrpSpPr>
+      <p:grpSpPr>
+        <a:xfrm>
+          <a:off x="0" y="0"/>
+          <a:ext cx="0" cy="0"/>
+          <a:chOff x="0" y="0"/>
+          <a:chExt cx="0" cy="0"/>
+        </a:xfrm>
+      </p:grpSpPr>
+      <p:pic>
+        <p:nvPicPr>
+          <p:cNvPr id="4" name="Picture 3"/>
+          <p:cNvPicPr>
+            <a:picLocks noChangeAspect="1"/>
+          </p:cNvPicPr>
+          <p:nvPr/>
+        </p:nvPicPr>
+        <p:blipFill>
+          <a:blip r:embed="rId2"/>
+          <a:stretch>
+            <a:fillRect/>
+          </a:stretch>
+        </p:blipFill>
+        <p:spPr>
+          <a:xfrm>
+            <a:off x="0" y="647700"/>
+            <a:ext cx="9144000" cy="5540788"/>
+          </a:xfrm>
+          <a:prstGeom prst="rect">
+            <a:avLst/>
+          </a:prstGeom>
+        </p:spPr>
+      </p:pic>
+      <p:sp>
+        <p:nvSpPr>
+          <p:cNvPr id="5" name="TextBox 4"/>
           <p:cNvSpPr txBox="1"/>
           <p:nvPr/>
         </p:nvSpPr>
         <p:spPr>
           <a:xfrm>
-            <a:off x="1305858" y="4067040"/>
-            <a:ext cx="1691727" cy="369332"/>
+            <a:off x="610998" y="1266533"/>
+            <a:ext cx="2192404" cy="646331"/>
           </a:xfrm>
           <a:prstGeom prst="rect">
             <a:avLst/>
@@ -3694,29 +4060,28 @@
           <a:effectLst/>
         </p:spPr>
         <p:txBody>
-          <a:bodyPr wrap="none" rtlCol="0">
+          <a:bodyPr wrap="square" rtlCol="0">
             <a:spAutoFit/>
           </a:bodyPr>
           <a:lstStyle/>
           <a:p>
             <a:r>
-              <a:rPr lang="en-US" dirty="0" smtClean="0"/>
-              <a:t>2) Select entries</a:t>
-            </a:r>
-            <a:endParaRPr lang="en-US" dirty="0"/>
-          </a:p>
-        </p:txBody>
-      </p:sp>
-      <p:sp>
-        <p:nvSpPr>
-          <p:cNvPr id="7" name="TextBox 6"/>
+              <a:rPr lang="en-US" dirty="0"/>
+              <a:t>1) Click on the link to open the top form</a:t>
+            </a:r>
+          </a:p>
+        </p:txBody>
+      </p:sp>
+      <p:sp>
+        <p:nvSpPr>
+          <p:cNvPr id="6" name="TextBox 5"/>
           <p:cNvSpPr txBox="1"/>
           <p:nvPr/>
         </p:nvSpPr>
         <p:spPr>
           <a:xfrm>
-            <a:off x="5495635" y="1413835"/>
-            <a:ext cx="2032791" cy="369332"/>
+            <a:off x="1305858" y="4067040"/>
+            <a:ext cx="1691727" cy="369332"/>
           </a:xfrm>
           <a:prstGeom prst="rect">
             <a:avLst/>
@@ -3738,23 +4103,22 @@
           <a:lstStyle/>
           <a:p>
             <a:r>
-              <a:rPr lang="en-US" dirty="0" smtClean="0"/>
-              <a:t>3) Choose an action</a:t>
-            </a:r>
-            <a:endParaRPr lang="en-US" dirty="0"/>
-          </a:p>
-        </p:txBody>
-      </p:sp>
-      <p:sp>
-        <p:nvSpPr>
-          <p:cNvPr id="8" name="TextBox 7"/>
+              <a:rPr lang="en-US" dirty="0"/>
+              <a:t>2) Select entries</a:t>
+            </a:r>
+          </a:p>
+        </p:txBody>
+      </p:sp>
+      <p:sp>
+        <p:nvSpPr>
+          <p:cNvPr id="7" name="TextBox 6"/>
           <p:cNvSpPr txBox="1"/>
           <p:nvPr/>
         </p:nvSpPr>
         <p:spPr>
           <a:xfrm>
-            <a:off x="4668991" y="3459336"/>
-            <a:ext cx="3416320" cy="369332"/>
+            <a:off x="5495635" y="1413835"/>
+            <a:ext cx="2032791" cy="369332"/>
           </a:xfrm>
           <a:prstGeom prst="rect">
             <a:avLst/>
@@ -3776,10 +4140,46 @@
           <a:lstStyle/>
           <a:p>
             <a:r>
-              <a:rPr lang="en-US" dirty="0" smtClean="0"/>
+              <a:rPr lang="en-US" dirty="0"/>
+              <a:t>3) Choose an action</a:t>
+            </a:r>
+          </a:p>
+        </p:txBody>
+      </p:sp>
+      <p:sp>
+        <p:nvSpPr>
+          <p:cNvPr id="8" name="TextBox 7"/>
+          <p:cNvSpPr txBox="1"/>
+          <p:nvPr/>
+        </p:nvSpPr>
+        <p:spPr>
+          <a:xfrm>
+            <a:off x="4668991" y="3459336"/>
+            <a:ext cx="3416320" cy="369332"/>
+          </a:xfrm>
+          <a:prstGeom prst="rect">
+            <a:avLst/>
+          </a:prstGeom>
+          <a:solidFill>
+            <a:srgbClr val="FFFF00"/>
+          </a:solidFill>
+          <a:ln>
+            <a:solidFill>
+              <a:schemeClr val="tx1"/>
+            </a:solidFill>
+          </a:ln>
+          <a:effectLst/>
+        </p:spPr>
+        <p:txBody>
+          <a:bodyPr wrap="none" rtlCol="0">
+            <a:spAutoFit/>
+          </a:bodyPr>
+          <a:lstStyle/>
+          <a:p>
+            <a:r>
+              <a:rPr lang="en-US" dirty="0"/>
               <a:t>4) Either the selected or all entries</a:t>
             </a:r>
-            <a:endParaRPr lang="en-US" dirty="0"/>
           </a:p>
         </p:txBody>
       </p:sp>
@@ -3947,17 +4347,10 @@
   <p:clrMapOvr>
     <a:masterClrMapping/>
   </p:clrMapOvr>
-  <p:timing>
-    <p:tnLst>
-      <p:par>
-        <p:cTn xmlns:p14="http://schemas.microsoft.com/office/powerpoint/2010/main" id="1" dur="indefinite" restart="never" nodeType="tmRoot"/>
-      </p:par>
-    </p:tnLst>
-  </p:timing>
 </p:sld>
 </file>
 
-<file path=ppt/slides/slide4.xml><?xml version="1.0" encoding="utf-8"?>
+<file path=ppt/slides/slide5.xml><?xml version="1.0" encoding="utf-8"?>
 <p:sld xmlns:a="http://schemas.openxmlformats.org/drawingml/2006/main" xmlns:r="http://schemas.openxmlformats.org/officeDocument/2006/relationships" xmlns:p="http://schemas.openxmlformats.org/presentationml/2006/main">
   <p:cSld>
     <p:spTree>
@@ -4029,10 +4422,9 @@
           <a:lstStyle/>
           <a:p>
             <a:r>
-              <a:rPr lang="en-US" dirty="0" smtClean="0"/>
+              <a:rPr lang="en-US" dirty="0"/>
               <a:t>Login link</a:t>
             </a:r>
-            <a:endParaRPr lang="en-US" dirty="0"/>
           </a:p>
         </p:txBody>
       </p:sp>
@@ -4106,10 +4498,9 @@
           <a:lstStyle/>
           <a:p>
             <a:r>
-              <a:rPr lang="en-US" dirty="0" smtClean="0"/>
+              <a:rPr lang="en-US" dirty="0"/>
               <a:t>If your RAMADDA is configured to send email these reminder actions are available</a:t>
             </a:r>
-            <a:endParaRPr lang="en-US" dirty="0"/>
           </a:p>
         </p:txBody>
       </p:sp>
@@ -4160,137 +4551,6 @@
   <p:clrMapOvr>
     <a:masterClrMapping/>
   </p:clrMapOvr>
-  <p:timing>
-    <p:tnLst>
-      <p:par>
-        <p:cTn xmlns:p14="http://schemas.microsoft.com/office/powerpoint/2010/main" id="1" dur="indefinite" restart="never" nodeType="tmRoot"/>
-      </p:par>
-    </p:tnLst>
-  </p:timing>
-</p:sld>
-</file>
-
-<file path=ppt/slides/slide5.xml><?xml version="1.0" encoding="utf-8"?>
-<p:sld xmlns:a="http://schemas.openxmlformats.org/drawingml/2006/main" xmlns:r="http://schemas.openxmlformats.org/officeDocument/2006/relationships" xmlns:p="http://schemas.openxmlformats.org/presentationml/2006/main">
-  <p:cSld>
-    <p:spTree>
-      <p:nvGrpSpPr>
-        <p:cNvPr id="1" name=""/>
-        <p:cNvGrpSpPr/>
-        <p:nvPr/>
-      </p:nvGrpSpPr>
-      <p:grpSpPr>
-        <a:xfrm>
-          <a:off x="0" y="0"/>
-          <a:ext cx="0" cy="0"/>
-          <a:chOff x="0" y="0"/>
-          <a:chExt cx="0" cy="0"/>
-        </a:xfrm>
-      </p:grpSpPr>
-      <p:pic>
-        <p:nvPicPr>
-          <p:cNvPr id="4" name="Picture 3"/>
-          <p:cNvPicPr>
-            <a:picLocks noChangeAspect="1"/>
-          </p:cNvPicPr>
-          <p:nvPr/>
-        </p:nvPicPr>
-        <p:blipFill>
-          <a:blip r:embed="rId2"/>
-          <a:stretch>
-            <a:fillRect/>
-          </a:stretch>
-        </p:blipFill>
-        <p:spPr>
-          <a:xfrm>
-            <a:off x="457200" y="0"/>
-            <a:ext cx="8216312" cy="6858000"/>
-          </a:xfrm>
-          <a:prstGeom prst="rect">
-            <a:avLst/>
-          </a:prstGeom>
-        </p:spPr>
-      </p:pic>
-      <p:sp>
-        <p:nvSpPr>
-          <p:cNvPr id="5" name="Left Arrow 4"/>
-          <p:cNvSpPr/>
-          <p:nvPr/>
-        </p:nvSpPr>
-        <p:spPr>
-          <a:xfrm rot="19273936">
-            <a:off x="3965491" y="3067302"/>
-            <a:ext cx="3102911" cy="1653470"/>
-          </a:xfrm>
-          <a:prstGeom prst="leftArrow">
-            <a:avLst/>
-          </a:prstGeom>
-          <a:solidFill>
-            <a:srgbClr val="FFFF00"/>
-          </a:solidFill>
-          <a:ln>
-            <a:solidFill>
-              <a:schemeClr val="tx1"/>
-            </a:solidFill>
-          </a:ln>
-          <a:effectLst/>
-        </p:spPr>
-        <p:style>
-          <a:lnRef idx="1">
-            <a:schemeClr val="accent1"/>
-          </a:lnRef>
-          <a:fillRef idx="3">
-            <a:schemeClr val="accent1"/>
-          </a:fillRef>
-          <a:effectRef idx="2">
-            <a:schemeClr val="accent1"/>
-          </a:effectRef>
-          <a:fontRef idx="minor">
-            <a:schemeClr val="lt1"/>
-          </a:fontRef>
-        </p:style>
-        <p:txBody>
-          <a:bodyPr rtlCol="0" anchor="ctr"/>
-          <a:lstStyle/>
-          <a:p>
-            <a:pPr algn="ctr"/>
-            <a:r>
-              <a:rPr lang="en-US" dirty="0" smtClean="0">
-                <a:ln>
-                  <a:solidFill>
-                    <a:schemeClr val="tx1"/>
-                  </a:solidFill>
-                </a:ln>
-              </a:rPr>
-              <a:t>Enter one of more file system directories here </a:t>
-            </a:r>
-            <a:endParaRPr lang="en-US" dirty="0">
-              <a:ln>
-                <a:solidFill>
-                  <a:schemeClr val="tx1"/>
-                </a:solidFill>
-              </a:ln>
-            </a:endParaRPr>
-          </a:p>
-        </p:txBody>
-      </p:sp>
-    </p:spTree>
-    <p:extLst>
-      <p:ext uri="{BB962C8B-B14F-4D97-AF65-F5344CB8AC3E}">
-        <p14:creationId xmlns:p14="http://schemas.microsoft.com/office/powerpoint/2010/main" val="703675305"/>
-      </p:ext>
-    </p:extLst>
-  </p:cSld>
-  <p:clrMapOvr>
-    <a:masterClrMapping/>
-  </p:clrMapOvr>
-  <p:timing>
-    <p:tnLst>
-      <p:par>
-        <p:cTn xmlns:p14="http://schemas.microsoft.com/office/powerpoint/2010/main" id="1" dur="indefinite" restart="never" nodeType="tmRoot"/>
-      </p:par>
-    </p:tnLst>
-  </p:timing>
 </p:sld>
 </file>
 
@@ -4327,8 +4587,8 @@
         </p:blipFill>
         <p:spPr>
           <a:xfrm>
-            <a:off x="0" y="558800"/>
-            <a:ext cx="9144000" cy="5734669"/>
+            <a:off x="457200" y="0"/>
+            <a:ext cx="8216312" cy="6858000"/>
           </a:xfrm>
           <a:prstGeom prst="rect">
             <a:avLst/>
@@ -4342,8 +4602,8 @@
           <p:nvPr/>
         </p:nvSpPr>
         <p:spPr>
-          <a:xfrm>
-            <a:off x="3965491" y="2240567"/>
+          <a:xfrm rot="19273936">
+            <a:off x="3965491" y="3067302"/>
             <a:ext cx="3102911" cy="1653470"/>
           </a:xfrm>
           <a:prstGeom prst="leftArrow">
@@ -4379,7 +4639,117 @@
           <a:p>
             <a:pPr algn="ctr"/>
             <a:r>
-              <a:rPr lang="en-US" dirty="0" smtClean="0">
+              <a:rPr lang="en-US" dirty="0">
+                <a:ln>
+                  <a:solidFill>
+                    <a:schemeClr val="tx1"/>
+                  </a:solidFill>
+                </a:ln>
+              </a:rPr>
+              <a:t>Enter one of more file system directories here </a:t>
+            </a:r>
+          </a:p>
+        </p:txBody>
+      </p:sp>
+    </p:spTree>
+    <p:extLst>
+      <p:ext uri="{BB962C8B-B14F-4D97-AF65-F5344CB8AC3E}">
+        <p14:creationId xmlns:p14="http://schemas.microsoft.com/office/powerpoint/2010/main" val="703675305"/>
+      </p:ext>
+    </p:extLst>
+  </p:cSld>
+  <p:clrMapOvr>
+    <a:masterClrMapping/>
+  </p:clrMapOvr>
+</p:sld>
+</file>
+
+<file path=ppt/slides/slide7.xml><?xml version="1.0" encoding="utf-8"?>
+<p:sld xmlns:a="http://schemas.openxmlformats.org/drawingml/2006/main" xmlns:r="http://schemas.openxmlformats.org/officeDocument/2006/relationships" xmlns:p="http://schemas.openxmlformats.org/presentationml/2006/main">
+  <p:cSld>
+    <p:spTree>
+      <p:nvGrpSpPr>
+        <p:cNvPr id="1" name=""/>
+        <p:cNvGrpSpPr/>
+        <p:nvPr/>
+      </p:nvGrpSpPr>
+      <p:grpSpPr>
+        <a:xfrm>
+          <a:off x="0" y="0"/>
+          <a:ext cx="0" cy="0"/>
+          <a:chOff x="0" y="0"/>
+          <a:chExt cx="0" cy="0"/>
+        </a:xfrm>
+      </p:grpSpPr>
+      <p:pic>
+        <p:nvPicPr>
+          <p:cNvPr id="4" name="Picture 3"/>
+          <p:cNvPicPr>
+            <a:picLocks noChangeAspect="1"/>
+          </p:cNvPicPr>
+          <p:nvPr/>
+        </p:nvPicPr>
+        <p:blipFill>
+          <a:blip r:embed="rId2"/>
+          <a:stretch>
+            <a:fillRect/>
+          </a:stretch>
+        </p:blipFill>
+        <p:spPr>
+          <a:xfrm>
+            <a:off x="0" y="558800"/>
+            <a:ext cx="9144000" cy="5734669"/>
+          </a:xfrm>
+          <a:prstGeom prst="rect">
+            <a:avLst/>
+          </a:prstGeom>
+        </p:spPr>
+      </p:pic>
+      <p:sp>
+        <p:nvSpPr>
+          <p:cNvPr id="5" name="Left Arrow 4"/>
+          <p:cNvSpPr/>
+          <p:nvPr/>
+        </p:nvSpPr>
+        <p:spPr>
+          <a:xfrm>
+            <a:off x="3965491" y="2240567"/>
+            <a:ext cx="3102911" cy="1653470"/>
+          </a:xfrm>
+          <a:prstGeom prst="leftArrow">
+            <a:avLst/>
+          </a:prstGeom>
+          <a:solidFill>
+            <a:srgbClr val="FFFF00"/>
+          </a:solidFill>
+          <a:ln>
+            <a:solidFill>
+              <a:schemeClr val="tx1"/>
+            </a:solidFill>
+          </a:ln>
+          <a:effectLst/>
+        </p:spPr>
+        <p:style>
+          <a:lnRef idx="1">
+            <a:schemeClr val="accent1"/>
+          </a:lnRef>
+          <a:fillRef idx="3">
+            <a:schemeClr val="accent1"/>
+          </a:fillRef>
+          <a:effectRef idx="2">
+            <a:schemeClr val="accent1"/>
+          </a:effectRef>
+          <a:fontRef idx="minor">
+            <a:schemeClr val="lt1"/>
+          </a:fontRef>
+        </p:style>
+        <p:txBody>
+          <a:bodyPr rtlCol="0" anchor="ctr"/>
+          <a:lstStyle/>
+          <a:p>
+            <a:pPr algn="ctr"/>
+            <a:r>
+              <a:rPr lang="en-US" dirty="0">
                 <a:ln>
                   <a:solidFill>
                     <a:schemeClr val="tx1"/>
@@ -4388,13 +4758,6 @@
               </a:rPr>
               <a:t>Create a Server File System harvester and give it some name</a:t>
             </a:r>
-            <a:endParaRPr lang="en-US" dirty="0">
-              <a:ln>
-                <a:solidFill>
-                  <a:schemeClr val="tx1"/>
-                </a:solidFill>
-              </a:ln>
-            </a:endParaRPr>
           </a:p>
         </p:txBody>
       </p:sp>
@@ -4408,17 +4771,10 @@
   <p:clrMapOvr>
     <a:masterClrMapping/>
   </p:clrMapOvr>
-  <p:timing>
-    <p:tnLst>
-      <p:par>
-        <p:cTn xmlns:p14="http://schemas.microsoft.com/office/powerpoint/2010/main" id="1" dur="indefinite" restart="never" nodeType="tmRoot"/>
-      </p:par>
-    </p:tnLst>
-  </p:timing>
 </p:sld>
 </file>
 
-<file path=ppt/slides/slide7.xml><?xml version="1.0" encoding="utf-8"?>
+<file path=ppt/slides/slide8.xml><?xml version="1.0" encoding="utf-8"?>
 <p:sld xmlns:a="http://schemas.openxmlformats.org/drawingml/2006/main" xmlns:r="http://schemas.openxmlformats.org/officeDocument/2006/relationships" xmlns:p="http://schemas.openxmlformats.org/presentationml/2006/main">
   <p:cSld>
     <p:spTree>
@@ -4503,7 +4859,7 @@
           <a:p>
             <a:pPr algn="ctr"/>
             <a:r>
-              <a:rPr lang="en-US" dirty="0" smtClean="0">
+              <a:rPr lang="en-US" dirty="0">
                 <a:ln>
                   <a:solidFill>
                     <a:schemeClr val="tx1"/>
@@ -4512,13 +4868,6 @@
               </a:rPr>
               <a:t>Specify the file system directory(s)</a:t>
             </a:r>
-            <a:endParaRPr lang="en-US" dirty="0">
-              <a:ln>
-                <a:solidFill>
-                  <a:schemeClr val="tx1"/>
-                </a:solidFill>
-              </a:ln>
-            </a:endParaRPr>
           </a:p>
         </p:txBody>
       </p:sp>
@@ -4566,7 +4915,7 @@
           <a:p>
             <a:pPr algn="ctr"/>
             <a:r>
-              <a:rPr lang="en-US" dirty="0" smtClean="0">
+              <a:rPr lang="en-US" dirty="0">
                 <a:ln>
                   <a:solidFill>
                     <a:schemeClr val="tx1"/>
@@ -4579,7 +4928,7 @@
           <a:p>
             <a:pPr algn="ctr"/>
             <a:r>
-              <a:rPr lang="en-US" dirty="0" smtClean="0">
+              <a:rPr lang="en-US" dirty="0">
                 <a:ln>
                   <a:solidFill>
                     <a:schemeClr val="tx1"/>
@@ -4588,13 +4937,6 @@
               </a:rPr>
               <a:t>put the new entries </a:t>
             </a:r>
-            <a:endParaRPr lang="en-US" dirty="0">
-              <a:ln>
-                <a:solidFill>
-                  <a:schemeClr val="tx1"/>
-                </a:solidFill>
-              </a:ln>
-            </a:endParaRPr>
           </a:p>
         </p:txBody>
       </p:sp>
@@ -4608,13 +4950,6 @@
   <p:clrMapOvr>
     <a:masterClrMapping/>
   </p:clrMapOvr>
-  <p:timing>
-    <p:tnLst>
-      <p:par>
-        <p:cTn xmlns:p14="http://schemas.microsoft.com/office/powerpoint/2010/main" id="1" dur="indefinite" restart="never" nodeType="tmRoot"/>
-      </p:par>
-    </p:tnLst>
-  </p:timing>
 </p:sld>
 </file>
 
